--- a/GIT workshop.pptx
+++ b/GIT workshop.pptx
@@ -14085,6 +14085,12 @@
           <a:p>
             <a:r>
               <a:rPr lang="en-US" dirty="0"/>
+              <a:t>Log</a:t>
+            </a:r>
+          </a:p>
+          <a:p>
+            <a:r>
+              <a:rPr lang="en-US" dirty="0"/>
               <a:t>Diff</a:t>
             </a:r>
           </a:p>
@@ -15155,6 +15161,109 @@
                       </p:childTnLst>
                     </p:cTn>
                   </p:par>
+                  <p:par>
+                    <p:cTn id="63" fill="hold">
+                      <p:stCondLst>
+                        <p:cond delay="indefinite"/>
+                      </p:stCondLst>
+                      <p:childTnLst>
+                        <p:par>
+                          <p:cTn id="64" fill="hold">
+                            <p:stCondLst>
+                              <p:cond delay="0"/>
+                            </p:stCondLst>
+                            <p:childTnLst>
+                              <p:par>
+                                <p:cTn id="65" presetID="2" presetClass="entr" presetSubtype="4" fill="hold" nodeType="clickEffect">
+                                  <p:stCondLst>
+                                    <p:cond delay="0"/>
+                                  </p:stCondLst>
+                                  <p:childTnLst>
+                                    <p:set>
+                                      <p:cBhvr>
+                                        <p:cTn id="66" dur="1" fill="hold">
+                                          <p:stCondLst>
+                                            <p:cond delay="0"/>
+                                          </p:stCondLst>
+                                        </p:cTn>
+                                        <p:tgtEl>
+                                          <p:spTgt spid="3">
+                                            <p:txEl>
+                                              <p:pRg st="10" end="10"/>
+                                            </p:txEl>
+                                          </p:spTgt>
+                                        </p:tgtEl>
+                                        <p:attrNameLst>
+                                          <p:attrName>style.visibility</p:attrName>
+                                        </p:attrNameLst>
+                                      </p:cBhvr>
+                                      <p:to>
+                                        <p:strVal val="visible"/>
+                                      </p:to>
+                                    </p:set>
+                                    <p:anim calcmode="lin" valueType="num">
+                                      <p:cBhvr additive="base">
+                                        <p:cTn id="67" dur="500" fill="hold"/>
+                                        <p:tgtEl>
+                                          <p:spTgt spid="3">
+                                            <p:txEl>
+                                              <p:pRg st="10" end="10"/>
+                                            </p:txEl>
+                                          </p:spTgt>
+                                        </p:tgtEl>
+                                        <p:attrNameLst>
+                                          <p:attrName>ppt_x</p:attrName>
+                                        </p:attrNameLst>
+                                      </p:cBhvr>
+                                      <p:tavLst>
+                                        <p:tav tm="0">
+                                          <p:val>
+                                            <p:strVal val="#ppt_x"/>
+                                          </p:val>
+                                        </p:tav>
+                                        <p:tav tm="100000">
+                                          <p:val>
+                                            <p:strVal val="#ppt_x"/>
+                                          </p:val>
+                                        </p:tav>
+                                      </p:tavLst>
+                                    </p:anim>
+                                    <p:anim calcmode="lin" valueType="num">
+                                      <p:cBhvr additive="base">
+                                        <p:cTn id="68" dur="500" fill="hold"/>
+                                        <p:tgtEl>
+                                          <p:spTgt spid="3">
+                                            <p:txEl>
+                                              <p:pRg st="10" end="10"/>
+                                            </p:txEl>
+                                          </p:spTgt>
+                                        </p:tgtEl>
+                                        <p:attrNameLst>
+                                          <p:attrName>ppt_y</p:attrName>
+                                        </p:attrNameLst>
+                                      </p:cBhvr>
+                                      <p:tavLst>
+                                        <p:tav tm="0">
+                                          <p:val>
+                                            <p:strVal val="1+#ppt_h/2"/>
+                                          </p:val>
+                                        </p:tav>
+                                        <p:tav tm="100000">
+                                          <p:val>
+                                            <p:strVal val="#ppt_y"/>
+                                          </p:val>
+                                        </p:tav>
+                                      </p:tavLst>
+                                    </p:anim>
+                                  </p:childTnLst>
+                                </p:cTn>
+                              </p:par>
+                            </p:childTnLst>
+                          </p:cTn>
+                        </p:par>
+                      </p:childTnLst>
+                    </p:cTn>
+                  </p:par>
                 </p:childTnLst>
               </p:cTn>
               <p:prevCondLst>

--- a/GIT workshop.pptx
+++ b/GIT workshop.pptx
@@ -8,7 +8,8 @@
     <p:sldId id="256" r:id="rId2"/>
     <p:sldId id="264" r:id="rId3"/>
     <p:sldId id="262" r:id="rId4"/>
-    <p:sldId id="265" r:id="rId5"/>
+    <p:sldId id="266" r:id="rId5"/>
+    <p:sldId id="265" r:id="rId6"/>
   </p:sldIdLst>
   <p:sldSz cx="9144000" cy="6858000" type="screen4x3"/>
   <p:notesSz cx="6858000" cy="9144000"/>
@@ -15306,6 +15307,99 @@
           <a:chExt cx="0" cy="0"/>
         </a:xfrm>
       </p:grpSpPr>
+      <p:sp>
+        <p:nvSpPr>
+          <p:cNvPr id="2" name="Title 1">
+            <a:extLst>
+              <a:ext uri="{FF2B5EF4-FFF2-40B4-BE49-F238E27FC236}">
+                <a16:creationId xmlns:a16="http://schemas.microsoft.com/office/drawing/2014/main" id="{E3D3FEA6-82E0-4323-9940-EC3BA4B60A03}"/>
+              </a:ext>
+            </a:extLst>
+          </p:cNvPr>
+          <p:cNvSpPr>
+            <a:spLocks noGrp="1"/>
+          </p:cNvSpPr>
+          <p:nvPr>
+            <p:ph type="title"/>
+          </p:nvPr>
+        </p:nvSpPr>
+        <p:spPr/>
+        <p:txBody>
+          <a:bodyPr/>
+          <a:lstStyle/>
+          <a:p>
+            <a:r>
+              <a:rPr lang="en-IN" dirty="0"/>
+              <a:t>		    Status ?</a:t>
+            </a:r>
+          </a:p>
+        </p:txBody>
+      </p:sp>
+      <p:pic>
+        <p:nvPicPr>
+          <p:cNvPr id="7" name="Content Placeholder 6">
+            <a:extLst>
+              <a:ext uri="{FF2B5EF4-FFF2-40B4-BE49-F238E27FC236}">
+                <a16:creationId xmlns:a16="http://schemas.microsoft.com/office/drawing/2014/main" id="{F6B7BC33-76A3-47F7-8A40-B58C60B506DA}"/>
+              </a:ext>
+            </a:extLst>
+          </p:cNvPr>
+          <p:cNvPicPr>
+            <a:picLocks noGrp="1" noChangeAspect="1"/>
+          </p:cNvPicPr>
+          <p:nvPr>
+            <p:ph idx="1"/>
+          </p:nvPr>
+        </p:nvPicPr>
+        <p:blipFill>
+          <a:blip r:embed="rId2">
+            <a:extLst>
+              <a:ext uri="{28A0092B-C50C-407E-A947-70E740481C1C}">
+                <a14:useLocalDpi xmlns:a14="http://schemas.microsoft.com/office/drawing/2010/main" val="0"/>
+              </a:ext>
+            </a:extLst>
+          </a:blip>
+          <a:stretch>
+            <a:fillRect/>
+          </a:stretch>
+        </p:blipFill>
+        <p:spPr>
+          <a:xfrm>
+            <a:off x="2677319" y="2170664"/>
+            <a:ext cx="3508375" cy="3661811"/>
+          </a:xfrm>
+        </p:spPr>
+      </p:pic>
+    </p:spTree>
+    <p:extLst>
+      <p:ext uri="{BB962C8B-B14F-4D97-AF65-F5344CB8AC3E}">
+        <p14:creationId xmlns:p14="http://schemas.microsoft.com/office/powerpoint/2010/main" val="2472544742"/>
+      </p:ext>
+    </p:extLst>
+  </p:cSld>
+  <p:clrMapOvr>
+    <a:masterClrMapping/>
+  </p:clrMapOvr>
+</p:sld>
+</file>
+
+<file path=ppt/slides/slide5.xml><?xml version="1.0" encoding="utf-8"?>
+<p:sld xmlns:a="http://schemas.openxmlformats.org/drawingml/2006/main" xmlns:r="http://schemas.openxmlformats.org/officeDocument/2006/relationships" xmlns:p="http://schemas.openxmlformats.org/presentationml/2006/main">
+  <p:cSld>
+    <p:spTree>
+      <p:nvGrpSpPr>
+        <p:cNvPr id="1" name=""/>
+        <p:cNvGrpSpPr/>
+        <p:nvPr/>
+      </p:nvGrpSpPr>
+      <p:grpSpPr>
+        <a:xfrm>
+          <a:off x="0" y="0"/>
+          <a:ext cx="0" cy="0"/>
+          <a:chOff x="0" y="0"/>
+          <a:chExt cx="0" cy="0"/>
+        </a:xfrm>
+      </p:grpSpPr>
       <p:pic>
         <p:nvPicPr>
           <p:cNvPr id="1026" name="Picture 2" descr="Image result for git file status lifecycle">

--- a/GIT workshop.pptx
+++ b/GIT workshop.pptx
@@ -14098,7 +14098,7 @@
           <a:p>
             <a:r>
               <a:rPr lang="en-US" dirty="0"/>
-              <a:t>Resolve Conflicts</a:t>
+              <a:t>Rm, Branch, checkout  </a:t>
             </a:r>
           </a:p>
           <a:p>
